--- a/my-app/Lodash.pptx
+++ b/my-app/Lodash.pptx
@@ -2,7 +2,7 @@
 <file path=ppt/presentation.xml><?xml version="1.0" encoding="utf-8"?>
 <p:presentation xmlns:a="http://schemas.openxmlformats.org/drawingml/2006/main" xmlns:r="http://schemas.openxmlformats.org/officeDocument/2006/relationships" xmlns:p="http://schemas.openxmlformats.org/presentationml/2006/main" saveSubsetFonts="1">
   <p:sldMasterIdLst>
-    <p:sldMasterId id="2147483648" r:id="rId1"/>
+    <p:sldMasterId id="2147483702" r:id="rId1"/>
   </p:sldMasterIdLst>
   <p:sldIdLst>
     <p:sldId id="256" r:id="rId2"/>
@@ -12,6 +12,11 @@
     <p:sldId id="260" r:id="rId6"/>
     <p:sldId id="261" r:id="rId7"/>
     <p:sldId id="262" r:id="rId8"/>
+    <p:sldId id="263" r:id="rId9"/>
+    <p:sldId id="264" r:id="rId10"/>
+    <p:sldId id="265" r:id="rId11"/>
+    <p:sldId id="266" r:id="rId12"/>
+    <p:sldId id="267" r:id="rId13"/>
   </p:sldIdLst>
   <p:sldSz cx="12192000" cy="6858000"/>
   <p:notesSz cx="6858000" cy="9144000"/>
@@ -249,7 +254,7 @@
           <a:p>
             <a:fld id="{FAED26CB-EF4E-46E1-A500-B8C7DF73C1CF}" type="datetimeFigureOut">
               <a:rPr lang="zh-CN" altLang="en-US" smtClean="0"/>
-              <a:t>2019/3/20/Wednesday</a:t>
+              <a:t>2019/3/22</a:t>
             </a:fld>
             <a:endParaRPr lang="zh-CN" altLang="en-US"/>
           </a:p>
@@ -300,7 +305,7 @@
     </p:spTree>
     <p:extLst>
       <p:ext uri="{BB962C8B-B14F-4D97-AF65-F5344CB8AC3E}">
-        <p14:creationId xmlns:p14="http://schemas.microsoft.com/office/powerpoint/2010/main" val="2644899409"/>
+        <p14:creationId xmlns:p14="http://schemas.microsoft.com/office/powerpoint/2010/main" val="3776804738"/>
       </p:ext>
     </p:extLst>
   </p:cSld>
@@ -419,7 +424,7 @@
           <a:p>
             <a:fld id="{FAED26CB-EF4E-46E1-A500-B8C7DF73C1CF}" type="datetimeFigureOut">
               <a:rPr lang="zh-CN" altLang="en-US" smtClean="0"/>
-              <a:t>2019/3/20/Wednesday</a:t>
+              <a:t>2019/3/22</a:t>
             </a:fld>
             <a:endParaRPr lang="zh-CN" altLang="en-US"/>
           </a:p>
@@ -470,7 +475,7 @@
     </p:spTree>
     <p:extLst>
       <p:ext uri="{BB962C8B-B14F-4D97-AF65-F5344CB8AC3E}">
-        <p14:creationId xmlns:p14="http://schemas.microsoft.com/office/powerpoint/2010/main" val="276573722"/>
+        <p14:creationId xmlns:p14="http://schemas.microsoft.com/office/powerpoint/2010/main" val="3217811526"/>
       </p:ext>
     </p:extLst>
   </p:cSld>
@@ -599,7 +604,7 @@
           <a:p>
             <a:fld id="{FAED26CB-EF4E-46E1-A500-B8C7DF73C1CF}" type="datetimeFigureOut">
               <a:rPr lang="zh-CN" altLang="en-US" smtClean="0"/>
-              <a:t>2019/3/20/Wednesday</a:t>
+              <a:t>2019/3/22</a:t>
             </a:fld>
             <a:endParaRPr lang="zh-CN" altLang="en-US"/>
           </a:p>
@@ -650,7 +655,7 @@
     </p:spTree>
     <p:extLst>
       <p:ext uri="{BB962C8B-B14F-4D97-AF65-F5344CB8AC3E}">
-        <p14:creationId xmlns:p14="http://schemas.microsoft.com/office/powerpoint/2010/main" val="471603906"/>
+        <p14:creationId xmlns:p14="http://schemas.microsoft.com/office/powerpoint/2010/main" val="1492339677"/>
       </p:ext>
     </p:extLst>
   </p:cSld>
@@ -769,7 +774,7 @@
           <a:p>
             <a:fld id="{FAED26CB-EF4E-46E1-A500-B8C7DF73C1CF}" type="datetimeFigureOut">
               <a:rPr lang="zh-CN" altLang="en-US" smtClean="0"/>
-              <a:t>2019/3/20/Wednesday</a:t>
+              <a:t>2019/3/22</a:t>
             </a:fld>
             <a:endParaRPr lang="zh-CN" altLang="en-US"/>
           </a:p>
@@ -820,7 +825,7 @@
     </p:spTree>
     <p:extLst>
       <p:ext uri="{BB962C8B-B14F-4D97-AF65-F5344CB8AC3E}">
-        <p14:creationId xmlns:p14="http://schemas.microsoft.com/office/powerpoint/2010/main" val="4223450022"/>
+        <p14:creationId xmlns:p14="http://schemas.microsoft.com/office/powerpoint/2010/main" val="3256385197"/>
       </p:ext>
     </p:extLst>
   </p:cSld>
@@ -1015,7 +1020,7 @@
           <a:p>
             <a:fld id="{FAED26CB-EF4E-46E1-A500-B8C7DF73C1CF}" type="datetimeFigureOut">
               <a:rPr lang="zh-CN" altLang="en-US" smtClean="0"/>
-              <a:t>2019/3/20/Wednesday</a:t>
+              <a:t>2019/3/22</a:t>
             </a:fld>
             <a:endParaRPr lang="zh-CN" altLang="en-US"/>
           </a:p>
@@ -1066,7 +1071,7 @@
     </p:spTree>
     <p:extLst>
       <p:ext uri="{BB962C8B-B14F-4D97-AF65-F5344CB8AC3E}">
-        <p14:creationId xmlns:p14="http://schemas.microsoft.com/office/powerpoint/2010/main" val="1170842448"/>
+        <p14:creationId xmlns:p14="http://schemas.microsoft.com/office/powerpoint/2010/main" val="843380783"/>
       </p:ext>
     </p:extLst>
   </p:cSld>
@@ -1247,7 +1252,7 @@
           <a:p>
             <a:fld id="{FAED26CB-EF4E-46E1-A500-B8C7DF73C1CF}" type="datetimeFigureOut">
               <a:rPr lang="zh-CN" altLang="en-US" smtClean="0"/>
-              <a:t>2019/3/20/Wednesday</a:t>
+              <a:t>2019/3/22</a:t>
             </a:fld>
             <a:endParaRPr lang="zh-CN" altLang="en-US"/>
           </a:p>
@@ -1298,7 +1303,7 @@
     </p:spTree>
     <p:extLst>
       <p:ext uri="{BB962C8B-B14F-4D97-AF65-F5344CB8AC3E}">
-        <p14:creationId xmlns:p14="http://schemas.microsoft.com/office/powerpoint/2010/main" val="1563772524"/>
+        <p14:creationId xmlns:p14="http://schemas.microsoft.com/office/powerpoint/2010/main" val="1989021093"/>
       </p:ext>
     </p:extLst>
   </p:cSld>
@@ -1614,7 +1619,7 @@
           <a:p>
             <a:fld id="{FAED26CB-EF4E-46E1-A500-B8C7DF73C1CF}" type="datetimeFigureOut">
               <a:rPr lang="zh-CN" altLang="en-US" smtClean="0"/>
-              <a:t>2019/3/20/Wednesday</a:t>
+              <a:t>2019/3/22</a:t>
             </a:fld>
             <a:endParaRPr lang="zh-CN" altLang="en-US"/>
           </a:p>
@@ -1665,7 +1670,7 @@
     </p:spTree>
     <p:extLst>
       <p:ext uri="{BB962C8B-B14F-4D97-AF65-F5344CB8AC3E}">
-        <p14:creationId xmlns:p14="http://schemas.microsoft.com/office/powerpoint/2010/main" val="925149928"/>
+        <p14:creationId xmlns:p14="http://schemas.microsoft.com/office/powerpoint/2010/main" val="2289751295"/>
       </p:ext>
     </p:extLst>
   </p:cSld>
@@ -1732,7 +1737,7 @@
           <a:p>
             <a:fld id="{FAED26CB-EF4E-46E1-A500-B8C7DF73C1CF}" type="datetimeFigureOut">
               <a:rPr lang="zh-CN" altLang="en-US" smtClean="0"/>
-              <a:t>2019/3/20/Wednesday</a:t>
+              <a:t>2019/3/22</a:t>
             </a:fld>
             <a:endParaRPr lang="zh-CN" altLang="en-US"/>
           </a:p>
@@ -1783,7 +1788,7 @@
     </p:spTree>
     <p:extLst>
       <p:ext uri="{BB962C8B-B14F-4D97-AF65-F5344CB8AC3E}">
-        <p14:creationId xmlns:p14="http://schemas.microsoft.com/office/powerpoint/2010/main" val="715468330"/>
+        <p14:creationId xmlns:p14="http://schemas.microsoft.com/office/powerpoint/2010/main" val="1198958507"/>
       </p:ext>
     </p:extLst>
   </p:cSld>
@@ -1827,7 +1832,7 @@
           <a:p>
             <a:fld id="{FAED26CB-EF4E-46E1-A500-B8C7DF73C1CF}" type="datetimeFigureOut">
               <a:rPr lang="zh-CN" altLang="en-US" smtClean="0"/>
-              <a:t>2019/3/20/Wednesday</a:t>
+              <a:t>2019/3/22</a:t>
             </a:fld>
             <a:endParaRPr lang="zh-CN" altLang="en-US"/>
           </a:p>
@@ -1878,7 +1883,7 @@
     </p:spTree>
     <p:extLst>
       <p:ext uri="{BB962C8B-B14F-4D97-AF65-F5344CB8AC3E}">
-        <p14:creationId xmlns:p14="http://schemas.microsoft.com/office/powerpoint/2010/main" val="2482478428"/>
+        <p14:creationId xmlns:p14="http://schemas.microsoft.com/office/powerpoint/2010/main" val="1762032107"/>
       </p:ext>
     </p:extLst>
   </p:cSld>
@@ -2104,7 +2109,7 @@
           <a:p>
             <a:fld id="{FAED26CB-EF4E-46E1-A500-B8C7DF73C1CF}" type="datetimeFigureOut">
               <a:rPr lang="zh-CN" altLang="en-US" smtClean="0"/>
-              <a:t>2019/3/20/Wednesday</a:t>
+              <a:t>2019/3/22</a:t>
             </a:fld>
             <a:endParaRPr lang="zh-CN" altLang="en-US"/>
           </a:p>
@@ -2155,7 +2160,7 @@
     </p:spTree>
     <p:extLst>
       <p:ext uri="{BB962C8B-B14F-4D97-AF65-F5344CB8AC3E}">
-        <p14:creationId xmlns:p14="http://schemas.microsoft.com/office/powerpoint/2010/main" val="2359978469"/>
+        <p14:creationId xmlns:p14="http://schemas.microsoft.com/office/powerpoint/2010/main" val="709576612"/>
       </p:ext>
     </p:extLst>
   </p:cSld>
@@ -2357,7 +2362,7 @@
           <a:p>
             <a:fld id="{FAED26CB-EF4E-46E1-A500-B8C7DF73C1CF}" type="datetimeFigureOut">
               <a:rPr lang="zh-CN" altLang="en-US" smtClean="0"/>
-              <a:t>2019/3/20/Wednesday</a:t>
+              <a:t>2019/3/22</a:t>
             </a:fld>
             <a:endParaRPr lang="zh-CN" altLang="en-US"/>
           </a:p>
@@ -2408,7 +2413,7 @@
     </p:spTree>
     <p:extLst>
       <p:ext uri="{BB962C8B-B14F-4D97-AF65-F5344CB8AC3E}">
-        <p14:creationId xmlns:p14="http://schemas.microsoft.com/office/powerpoint/2010/main" val="2818499899"/>
+        <p14:creationId xmlns:p14="http://schemas.microsoft.com/office/powerpoint/2010/main" val="2706775550"/>
       </p:ext>
     </p:extLst>
   </p:cSld>
@@ -2570,7 +2575,7 @@
           <a:p>
             <a:fld id="{FAED26CB-EF4E-46E1-A500-B8C7DF73C1CF}" type="datetimeFigureOut">
               <a:rPr lang="zh-CN" altLang="en-US" smtClean="0"/>
-              <a:t>2019/3/20/Wednesday</a:t>
+              <a:t>2019/3/22</a:t>
             </a:fld>
             <a:endParaRPr lang="zh-CN" altLang="en-US"/>
           </a:p>
@@ -2657,23 +2662,23 @@
     </p:spTree>
     <p:extLst>
       <p:ext uri="{BB962C8B-B14F-4D97-AF65-F5344CB8AC3E}">
-        <p14:creationId xmlns:p14="http://schemas.microsoft.com/office/powerpoint/2010/main" val="3293831331"/>
+        <p14:creationId xmlns:p14="http://schemas.microsoft.com/office/powerpoint/2010/main" val="3395759420"/>
       </p:ext>
     </p:extLst>
   </p:cSld>
   <p:clrMap bg1="lt1" tx1="dk1" bg2="lt2" tx2="dk2" accent1="accent1" accent2="accent2" accent3="accent3" accent4="accent4" accent5="accent5" accent6="accent6" hlink="hlink" folHlink="folHlink"/>
   <p:sldLayoutIdLst>
-    <p:sldLayoutId id="2147483649" r:id="rId1"/>
-    <p:sldLayoutId id="2147483650" r:id="rId2"/>
-    <p:sldLayoutId id="2147483651" r:id="rId3"/>
-    <p:sldLayoutId id="2147483652" r:id="rId4"/>
-    <p:sldLayoutId id="2147483653" r:id="rId5"/>
-    <p:sldLayoutId id="2147483654" r:id="rId6"/>
-    <p:sldLayoutId id="2147483655" r:id="rId7"/>
-    <p:sldLayoutId id="2147483656" r:id="rId8"/>
-    <p:sldLayoutId id="2147483657" r:id="rId9"/>
-    <p:sldLayoutId id="2147483658" r:id="rId10"/>
-    <p:sldLayoutId id="2147483659" r:id="rId11"/>
+    <p:sldLayoutId id="2147483703" r:id="rId1"/>
+    <p:sldLayoutId id="2147483704" r:id="rId2"/>
+    <p:sldLayoutId id="2147483705" r:id="rId3"/>
+    <p:sldLayoutId id="2147483706" r:id="rId4"/>
+    <p:sldLayoutId id="2147483707" r:id="rId5"/>
+    <p:sldLayoutId id="2147483708" r:id="rId6"/>
+    <p:sldLayoutId id="2147483709" r:id="rId7"/>
+    <p:sldLayoutId id="2147483710" r:id="rId8"/>
+    <p:sldLayoutId id="2147483711" r:id="rId9"/>
+    <p:sldLayoutId id="2147483712" r:id="rId10"/>
+    <p:sldLayoutId id="2147483713" r:id="rId11"/>
   </p:sldLayoutIdLst>
   <p:txStyles>
     <p:titleStyle>
@@ -3002,7 +3007,9 @@
           </a:xfrm>
         </p:spPr>
         <p:txBody>
-          <a:bodyPr/>
+          <a:bodyPr>
+            <a:normAutofit/>
+          </a:bodyPr>
           <a:lstStyle/>
           <a:p>
             <a:r>
@@ -3115,6 +3122,475 @@
     <p:extLst>
       <p:ext uri="{BB962C8B-B14F-4D97-AF65-F5344CB8AC3E}">
         <p14:creationId xmlns:p14="http://schemas.microsoft.com/office/powerpoint/2010/main" val="1849616672"/>
+      </p:ext>
+    </p:extLst>
+  </p:cSld>
+  <p:clrMapOvr>
+    <a:masterClrMapping/>
+  </p:clrMapOvr>
+  <p:timing>
+    <p:tnLst>
+      <p:par>
+        <p:cTn id="1" dur="indefinite" restart="never" nodeType="tmRoot"/>
+      </p:par>
+    </p:tnLst>
+  </p:timing>
+</p:sld>
+</file>
+
+<file path=ppt/slides/slide10.xml><?xml version="1.0" encoding="utf-8"?>
+<p:sld xmlns:a="http://schemas.openxmlformats.org/drawingml/2006/main" xmlns:r="http://schemas.openxmlformats.org/officeDocument/2006/relationships" xmlns:p="http://schemas.openxmlformats.org/presentationml/2006/main">
+  <p:cSld>
+    <p:spTree>
+      <p:nvGrpSpPr>
+        <p:cNvPr id="1" name=""/>
+        <p:cNvGrpSpPr/>
+        <p:nvPr/>
+      </p:nvGrpSpPr>
+      <p:grpSpPr>
+        <a:xfrm>
+          <a:off x="0" y="0"/>
+          <a:ext cx="0" cy="0"/>
+          <a:chOff x="0" y="0"/>
+          <a:chExt cx="0" cy="0"/>
+        </a:xfrm>
+      </p:grpSpPr>
+      <p:sp>
+        <p:nvSpPr>
+          <p:cNvPr id="2" name="标题 1"/>
+          <p:cNvSpPr>
+            <a:spLocks noGrp="1"/>
+          </p:cNvSpPr>
+          <p:nvPr>
+            <p:ph type="title"/>
+          </p:nvPr>
+        </p:nvSpPr>
+        <p:spPr/>
+        <p:txBody>
+          <a:bodyPr/>
+          <a:lstStyle/>
+          <a:p>
+            <a:endParaRPr lang="zh-CN" altLang="en-US"/>
+          </a:p>
+        </p:txBody>
+      </p:sp>
+      <p:sp>
+        <p:nvSpPr>
+          <p:cNvPr id="3" name="内容占位符 2"/>
+          <p:cNvSpPr>
+            <a:spLocks noGrp="1"/>
+          </p:cNvSpPr>
+          <p:nvPr>
+            <p:ph idx="1"/>
+          </p:nvPr>
+        </p:nvSpPr>
+        <p:spPr/>
+        <p:txBody>
+          <a:bodyPr/>
+          <a:lstStyle/>
+          <a:p>
+            <a:endParaRPr lang="zh-CN" altLang="en-US"/>
+          </a:p>
+        </p:txBody>
+      </p:sp>
+    </p:spTree>
+    <p:extLst>
+      <p:ext uri="{BB962C8B-B14F-4D97-AF65-F5344CB8AC3E}">
+        <p14:creationId xmlns:p14="http://schemas.microsoft.com/office/powerpoint/2010/main" val="1803838817"/>
+      </p:ext>
+    </p:extLst>
+  </p:cSld>
+  <p:clrMapOvr>
+    <a:masterClrMapping/>
+  </p:clrMapOvr>
+  <p:timing>
+    <p:tnLst>
+      <p:par>
+        <p:cTn id="1" dur="indefinite" restart="never" nodeType="tmRoot"/>
+      </p:par>
+    </p:tnLst>
+  </p:timing>
+</p:sld>
+</file>
+
+<file path=ppt/slides/slide11.xml><?xml version="1.0" encoding="utf-8"?>
+<p:sld xmlns:a="http://schemas.openxmlformats.org/drawingml/2006/main" xmlns:r="http://schemas.openxmlformats.org/officeDocument/2006/relationships" xmlns:p="http://schemas.openxmlformats.org/presentationml/2006/main">
+  <p:cSld>
+    <p:spTree>
+      <p:nvGrpSpPr>
+        <p:cNvPr id="1" name=""/>
+        <p:cNvGrpSpPr/>
+        <p:nvPr/>
+      </p:nvGrpSpPr>
+      <p:grpSpPr>
+        <a:xfrm>
+          <a:off x="0" y="0"/>
+          <a:ext cx="0" cy="0"/>
+          <a:chOff x="0" y="0"/>
+          <a:chExt cx="0" cy="0"/>
+        </a:xfrm>
+      </p:grpSpPr>
+      <p:sp>
+        <p:nvSpPr>
+          <p:cNvPr id="2" name="标题 1"/>
+          <p:cNvSpPr>
+            <a:spLocks noGrp="1"/>
+          </p:cNvSpPr>
+          <p:nvPr>
+            <p:ph type="title"/>
+          </p:nvPr>
+        </p:nvSpPr>
+        <p:spPr/>
+        <p:txBody>
+          <a:bodyPr/>
+          <a:lstStyle/>
+          <a:p>
+            <a:r>
+              <a:rPr lang="zh-CN" altLang="en-US" dirty="0" smtClean="0"/>
+              <a:t>函数柯里化（</a:t>
+            </a:r>
+            <a:r>
+              <a:rPr lang="en-US" altLang="zh-CN" dirty="0" smtClean="0"/>
+              <a:t>currying</a:t>
+            </a:r>
+            <a:r>
+              <a:rPr lang="zh-CN" altLang="en-US" dirty="0" smtClean="0"/>
+              <a:t>）</a:t>
+            </a:r>
+            <a:endParaRPr lang="zh-CN" altLang="en-US" dirty="0"/>
+          </a:p>
+        </p:txBody>
+      </p:sp>
+      <p:sp>
+        <p:nvSpPr>
+          <p:cNvPr id="3" name="内容占位符 2"/>
+          <p:cNvSpPr>
+            <a:spLocks noGrp="1"/>
+          </p:cNvSpPr>
+          <p:nvPr>
+            <p:ph idx="1"/>
+          </p:nvPr>
+        </p:nvSpPr>
+        <p:spPr/>
+        <p:txBody>
+          <a:bodyPr/>
+          <a:lstStyle/>
+          <a:p>
+            <a:r>
+              <a:rPr lang="zh-CN" altLang="en-US" dirty="0"/>
+              <a:t>柯里化是指这样一个函数</a:t>
+            </a:r>
+            <a:r>
+              <a:rPr lang="en-US" altLang="zh-CN" dirty="0"/>
+              <a:t>(</a:t>
+            </a:r>
+            <a:r>
+              <a:rPr lang="zh-CN" altLang="en-US" dirty="0"/>
+              <a:t>假设叫做</a:t>
+            </a:r>
+            <a:r>
+              <a:rPr lang="en-US" altLang="zh-CN" dirty="0"/>
+              <a:t>createCurry)</a:t>
+            </a:r>
+            <a:r>
+              <a:rPr lang="zh-CN" altLang="en-US" dirty="0"/>
+              <a:t>，他接收函数</a:t>
+            </a:r>
+            <a:r>
+              <a:rPr lang="en-US" altLang="zh-CN" dirty="0"/>
+              <a:t>A</a:t>
+            </a:r>
+            <a:r>
+              <a:rPr lang="zh-CN" altLang="en-US" dirty="0"/>
+              <a:t>作为参数，运行后能够返回一个新的函数</a:t>
+            </a:r>
+            <a:r>
+              <a:rPr lang="en-US" altLang="zh-CN" dirty="0"/>
+              <a:t>,</a:t>
+            </a:r>
+            <a:r>
+              <a:rPr lang="zh-CN" altLang="en-US" dirty="0"/>
+              <a:t>并且这个新的函数能够处理函数</a:t>
+            </a:r>
+            <a:r>
+              <a:rPr lang="en-US" altLang="zh-CN" dirty="0"/>
+              <a:t>A</a:t>
+            </a:r>
+            <a:r>
+              <a:rPr lang="zh-CN" altLang="en-US" dirty="0"/>
+              <a:t>的剩余参数。就是把一个多参数的函数，转化为单参数函数。</a:t>
+            </a:r>
+          </a:p>
+          <a:p>
+            <a:endParaRPr lang="zh-CN" altLang="en-US" dirty="0"/>
+          </a:p>
+        </p:txBody>
+      </p:sp>
+    </p:spTree>
+    <p:extLst>
+      <p:ext uri="{BB962C8B-B14F-4D97-AF65-F5344CB8AC3E}">
+        <p14:creationId xmlns:p14="http://schemas.microsoft.com/office/powerpoint/2010/main" val="3932261533"/>
+      </p:ext>
+    </p:extLst>
+  </p:cSld>
+  <p:clrMapOvr>
+    <a:masterClrMapping/>
+  </p:clrMapOvr>
+  <p:timing>
+    <p:tnLst>
+      <p:par>
+        <p:cTn id="1" dur="indefinite" restart="never" nodeType="tmRoot"/>
+      </p:par>
+    </p:tnLst>
+  </p:timing>
+</p:sld>
+</file>
+
+<file path=ppt/slides/slide12.xml><?xml version="1.0" encoding="utf-8"?>
+<p:sld xmlns:a="http://schemas.openxmlformats.org/drawingml/2006/main" xmlns:r="http://schemas.openxmlformats.org/officeDocument/2006/relationships" xmlns:p="http://schemas.openxmlformats.org/presentationml/2006/main">
+  <p:cSld>
+    <p:spTree>
+      <p:nvGrpSpPr>
+        <p:cNvPr id="1" name=""/>
+        <p:cNvGrpSpPr/>
+        <p:nvPr/>
+      </p:nvGrpSpPr>
+      <p:grpSpPr>
+        <a:xfrm>
+          <a:off x="0" y="0"/>
+          <a:ext cx="0" cy="0"/>
+          <a:chOff x="0" y="0"/>
+          <a:chExt cx="0" cy="0"/>
+        </a:xfrm>
+      </p:grpSpPr>
+      <p:sp>
+        <p:nvSpPr>
+          <p:cNvPr id="7" name="内容占位符 6"/>
+          <p:cNvSpPr>
+            <a:spLocks noGrp="1"/>
+          </p:cNvSpPr>
+          <p:nvPr>
+            <p:ph idx="1"/>
+          </p:nvPr>
+        </p:nvSpPr>
+        <p:spPr>
+          <a:xfrm>
+            <a:off x="626301" y="184714"/>
+            <a:ext cx="11135639" cy="6228611"/>
+          </a:xfrm>
+        </p:spPr>
+        <p:txBody>
+          <a:bodyPr>
+            <a:normAutofit/>
+          </a:bodyPr>
+          <a:lstStyle/>
+          <a:p>
+            <a:r>
+              <a:rPr lang="zh-CN" altLang="en-US" sz="2400" dirty="0"/>
+              <a:t>假如有一个接收三个参数的函数</a:t>
+            </a:r>
+            <a:r>
+              <a:rPr lang="en-US" altLang="zh-CN" sz="2400" dirty="0"/>
+              <a:t>A</a:t>
+            </a:r>
+            <a:r>
+              <a:rPr lang="zh-CN" altLang="en-US" sz="2400" dirty="0"/>
+              <a:t>。</a:t>
+            </a:r>
+            <a:endParaRPr lang="en-US" altLang="zh-CN" sz="2400" dirty="0" smtClean="0"/>
+          </a:p>
+          <a:p>
+            <a:endParaRPr lang="en-US" altLang="zh-CN" sz="2400" dirty="0" smtClean="0"/>
+          </a:p>
+          <a:p>
+            <a:pPr marL="0" indent="0">
+              <a:buNone/>
+            </a:pPr>
+            <a:endParaRPr lang="en-US" altLang="zh-CN" sz="2400" dirty="0" smtClean="0"/>
+          </a:p>
+          <a:p>
+            <a:pPr marL="0" indent="0">
+              <a:buNone/>
+            </a:pPr>
+            <a:endParaRPr lang="en-US" altLang="zh-CN" sz="2400" dirty="0" smtClean="0"/>
+          </a:p>
+          <a:p>
+            <a:r>
+              <a:rPr lang="zh-CN" altLang="en-US" sz="2400" dirty="0"/>
+              <a:t>又假如我们有一个已经封装好了的柯里化通用函数</a:t>
+            </a:r>
+            <a:r>
+              <a:rPr lang="en-US" altLang="zh-CN" sz="2400" dirty="0"/>
+              <a:t>createCurry</a:t>
+            </a:r>
+            <a:r>
+              <a:rPr lang="zh-CN" altLang="en-US" sz="2400" dirty="0"/>
+              <a:t>。他接收</a:t>
+            </a:r>
+            <a:r>
+              <a:rPr lang="en-US" altLang="zh-CN" sz="2400" dirty="0"/>
+              <a:t>bar</a:t>
+            </a:r>
+            <a:r>
+              <a:rPr lang="zh-CN" altLang="en-US" sz="2400" dirty="0"/>
+              <a:t>作为参数，能够将</a:t>
+            </a:r>
+            <a:r>
+              <a:rPr lang="en-US" altLang="zh-CN" sz="2400" dirty="0"/>
+              <a:t>A</a:t>
+            </a:r>
+            <a:r>
+              <a:rPr lang="zh-CN" altLang="en-US" sz="2400" dirty="0"/>
+              <a:t>转化为柯里化函数，返回结果就是这个被转化之后的函数</a:t>
+            </a:r>
+            <a:r>
+              <a:rPr lang="zh-CN" altLang="en-US" sz="2400" dirty="0" smtClean="0"/>
+              <a:t>。</a:t>
+            </a:r>
+            <a:endParaRPr lang="en-US" altLang="zh-CN" sz="2400" dirty="0" smtClean="0"/>
+          </a:p>
+          <a:p>
+            <a:endParaRPr lang="en-US" altLang="zh-CN" sz="2400" dirty="0"/>
+          </a:p>
+          <a:p>
+            <a:pPr marL="0" indent="0">
+              <a:buNone/>
+            </a:pPr>
+            <a:endParaRPr lang="en-US" altLang="zh-CN" sz="2400" dirty="0"/>
+          </a:p>
+          <a:p>
+            <a:r>
+              <a:rPr lang="zh-CN" altLang="en-US" sz="2400" dirty="0"/>
+              <a:t>那么</a:t>
+            </a:r>
+            <a:r>
+              <a:rPr lang="en-US" altLang="zh-CN" sz="2400" dirty="0"/>
+              <a:t>_A</a:t>
+            </a:r>
+            <a:r>
+              <a:rPr lang="zh-CN" altLang="en-US" sz="2400" dirty="0"/>
+              <a:t>作为</a:t>
+            </a:r>
+            <a:r>
+              <a:rPr lang="en-US" altLang="zh-CN" sz="2400" dirty="0"/>
+              <a:t>createCurry</a:t>
+            </a:r>
+            <a:r>
+              <a:rPr lang="zh-CN" altLang="en-US" sz="2400" dirty="0"/>
+              <a:t>运行的返回函数，他能够处理</a:t>
+            </a:r>
+            <a:r>
+              <a:rPr lang="en-US" altLang="zh-CN" sz="2400" dirty="0"/>
+              <a:t>A</a:t>
+            </a:r>
+            <a:r>
+              <a:rPr lang="zh-CN" altLang="en-US" sz="2400" dirty="0"/>
+              <a:t>的剩余参数。因此下面的运行结果都是等价的。</a:t>
+            </a:r>
+            <a:endParaRPr lang="en-US" altLang="zh-CN" sz="2400" dirty="0" smtClean="0"/>
+          </a:p>
+          <a:p>
+            <a:pPr marL="0" indent="0">
+              <a:buNone/>
+            </a:pPr>
+            <a:endParaRPr lang="zh-CN" altLang="en-US" sz="2400" dirty="0"/>
+          </a:p>
+        </p:txBody>
+      </p:sp>
+      <p:pic>
+        <p:nvPicPr>
+          <p:cNvPr id="12" name="图片 11"/>
+          <p:cNvPicPr>
+            <a:picLocks noChangeAspect="1"/>
+          </p:cNvPicPr>
+          <p:nvPr/>
+        </p:nvPicPr>
+        <p:blipFill>
+          <a:blip r:embed="rId2">
+            <a:extLst>
+              <a:ext uri="{28A0092B-C50C-407E-A947-70E740481C1C}">
+                <a14:useLocalDpi xmlns:a14="http://schemas.microsoft.com/office/drawing/2010/main" val="0"/>
+              </a:ext>
+            </a:extLst>
+          </a:blip>
+          <a:stretch>
+            <a:fillRect/>
+          </a:stretch>
+        </p:blipFill>
+        <p:spPr>
+          <a:xfrm>
+            <a:off x="1053736" y="595136"/>
+            <a:ext cx="5264871" cy="1145982"/>
+          </a:xfrm>
+          <a:prstGeom prst="rect">
+            <a:avLst/>
+          </a:prstGeom>
+        </p:spPr>
+      </p:pic>
+      <p:pic>
+        <p:nvPicPr>
+          <p:cNvPr id="13" name="图片 12"/>
+          <p:cNvPicPr>
+            <a:picLocks noChangeAspect="1"/>
+          </p:cNvPicPr>
+          <p:nvPr/>
+        </p:nvPicPr>
+        <p:blipFill>
+          <a:blip r:embed="rId3">
+            <a:extLst>
+              <a:ext uri="{28A0092B-C50C-407E-A947-70E740481C1C}">
+                <a14:useLocalDpi xmlns:a14="http://schemas.microsoft.com/office/drawing/2010/main" val="0"/>
+              </a:ext>
+            </a:extLst>
+          </a:blip>
+          <a:stretch>
+            <a:fillRect/>
+          </a:stretch>
+        </p:blipFill>
+        <p:spPr>
+          <a:xfrm>
+            <a:off x="1053736" y="2768484"/>
+            <a:ext cx="5125684" cy="829154"/>
+          </a:xfrm>
+          <a:prstGeom prst="rect">
+            <a:avLst/>
+          </a:prstGeom>
+        </p:spPr>
+      </p:pic>
+      <p:pic>
+        <p:nvPicPr>
+          <p:cNvPr id="14" name="图片 13"/>
+          <p:cNvPicPr>
+            <a:picLocks noChangeAspect="1"/>
+          </p:cNvPicPr>
+          <p:nvPr/>
+        </p:nvPicPr>
+        <p:blipFill>
+          <a:blip r:embed="rId4">
+            <a:extLst>
+              <a:ext uri="{28A0092B-C50C-407E-A947-70E740481C1C}">
+                <a14:useLocalDpi xmlns:a14="http://schemas.microsoft.com/office/drawing/2010/main" val="0"/>
+              </a:ext>
+            </a:extLst>
+          </a:blip>
+          <a:stretch>
+            <a:fillRect/>
+          </a:stretch>
+        </p:blipFill>
+        <p:spPr>
+          <a:xfrm>
+            <a:off x="1053736" y="4537322"/>
+            <a:ext cx="5409694" cy="1924603"/>
+          </a:xfrm>
+          <a:prstGeom prst="rect">
+            <a:avLst/>
+          </a:prstGeom>
+        </p:spPr>
+      </p:pic>
+    </p:spTree>
+    <p:extLst>
+      <p:ext uri="{BB962C8B-B14F-4D97-AF65-F5344CB8AC3E}">
+        <p14:creationId xmlns:p14="http://schemas.microsoft.com/office/powerpoint/2010/main" val="1602130354"/>
       </p:ext>
     </p:extLst>
   </p:cSld>
@@ -3271,9 +3747,10 @@
               <a:t>$ npm i --save </a:t>
             </a:r>
             <a:r>
-              <a:rPr lang="en-US" altLang="zh-CN" dirty="0" smtClean="0"/>
+              <a:rPr lang="en-US" altLang="zh-CN" dirty="0" err="1" smtClean="0"/>
               <a:t>lodash</a:t>
             </a:r>
+            <a:endParaRPr lang="en-US" altLang="zh-CN" dirty="0" smtClean="0"/>
           </a:p>
           <a:p>
             <a:pPr marL="0" indent="0">
@@ -3452,7 +3929,15 @@
             </a:pPr>
             <a:r>
               <a:rPr lang="en-US" altLang="zh-CN" dirty="0" smtClean="0"/>
-              <a:t>	var  _  =  require('lodash');   </a:t>
+              <a:t>	var  _  =  require('</a:t>
+            </a:r>
+            <a:r>
+              <a:rPr lang="en-US" altLang="zh-CN" dirty="0" err="1" smtClean="0"/>
+              <a:t>lodash</a:t>
+            </a:r>
+            <a:r>
+              <a:rPr lang="en-US" altLang="zh-CN" dirty="0" smtClean="0"/>
+              <a:t>');   </a:t>
             </a:r>
           </a:p>
           <a:p>
@@ -3491,8 +3976,12 @@
               <a:t> "</a:t>
             </a:r>
             <a:r>
+              <a:rPr lang="en-US" altLang="zh-CN" dirty="0" err="1"/>
+              <a:t>lodash</a:t>
+            </a:r>
+            <a:r>
               <a:rPr lang="en-US" altLang="zh-CN" dirty="0"/>
-              <a:t>lodash";</a:t>
+              <a:t>";</a:t>
             </a:r>
           </a:p>
           <a:p>
@@ -3512,8 +4001,12 @@
               <a:t> lodashArray  from  "</a:t>
             </a:r>
             <a:r>
+              <a:rPr lang="en-US" altLang="zh-CN" dirty="0" err="1"/>
+              <a:t>lodash</a:t>
+            </a:r>
+            <a:r>
               <a:rPr lang="en-US" altLang="zh-CN" dirty="0"/>
-              <a:t>lodash/array";</a:t>
+              <a:t>/array";</a:t>
             </a:r>
           </a:p>
           <a:p>
@@ -3636,7 +4129,9 @@
           </a:xfrm>
         </p:spPr>
         <p:txBody>
-          <a:bodyPr/>
+          <a:bodyPr>
+            <a:normAutofit/>
+          </a:bodyPr>
           <a:lstStyle/>
           <a:p>
             <a:r>
@@ -3991,6 +4486,16 @@
 <file path=ppt/slides/slide6.xml><?xml version="1.0" encoding="utf-8"?>
 <p:sld xmlns:a="http://schemas.openxmlformats.org/drawingml/2006/main" xmlns:r="http://schemas.openxmlformats.org/officeDocument/2006/relationships" xmlns:p="http://schemas.openxmlformats.org/presentationml/2006/main">
   <p:cSld>
+    <p:bg>
+      <p:bgPr>
+        <a:solidFill>
+          <a:schemeClr val="bg1">
+            <a:alpha val="50000"/>
+          </a:schemeClr>
+        </a:solidFill>
+        <a:effectLst/>
+      </p:bgPr>
+    </p:bg>
     <p:spTree>
       <p:nvGrpSpPr>
         <p:cNvPr id="1" name=""/>
@@ -4018,13 +4523,25 @@
         <p:spPr/>
         <p:txBody>
           <a:bodyPr>
-            <a:normAutofit fontScale="90000"/>
+            <a:normAutofit/>
           </a:bodyPr>
           <a:lstStyle/>
           <a:p>
             <a:r>
+              <a:rPr lang="zh-CN" altLang="en-US" dirty="0" smtClean="0"/>
+              <a:t>从</a:t>
+            </a:r>
+            <a:r>
+              <a:rPr lang="en-US" altLang="zh-CN" dirty="0"/>
+              <a:t>8</a:t>
+            </a:r>
+            <a:r>
+              <a:rPr lang="zh-CN" altLang="en-US" dirty="0" smtClean="0"/>
+              <a:t>个</a:t>
+            </a:r>
+            <a:r>
               <a:rPr lang="zh-CN" altLang="en-US" dirty="0"/>
-              <a:t>从若干个球中取出面值小于 </a:t>
+              <a:t>球中取出面值小于 </a:t>
             </a:r>
             <a:r>
               <a:rPr lang="en-US" altLang="zh-CN" dirty="0"/>
@@ -4058,8 +4575,8 @@
           <a:p>
             <a:pPr algn="ctr"/>
             <a:r>
-              <a:rPr lang="zh-CN" altLang="en-US" dirty="0"/>
-              <a:t>及早求值</a:t>
+              <a:rPr lang="zh-CN" altLang="en-US" dirty="0" smtClean="0"/>
+              <a:t>分步求值</a:t>
             </a:r>
             <a:endParaRPr lang="zh-CN" altLang="en-US" dirty="0"/>
           </a:p>
@@ -4112,7 +4629,15 @@
             <a:pPr algn="ctr"/>
             <a:r>
               <a:rPr lang="zh-CN" altLang="en-US" dirty="0" smtClean="0"/>
-              <a:t>惰性求值</a:t>
+              <a:t>在</a:t>
+            </a:r>
+            <a:r>
+              <a:rPr lang="en-US" altLang="zh-CN" dirty="0" err="1" smtClean="0"/>
+              <a:t>lodash</a:t>
+            </a:r>
+            <a:r>
+              <a:rPr lang="zh-CN" altLang="en-US" dirty="0" smtClean="0"/>
+              <a:t>中</a:t>
             </a:r>
             <a:endParaRPr lang="zh-CN" altLang="en-US" dirty="0"/>
           </a:p>
@@ -4425,6 +4950,16 @@
 <file path=ppt/slides/slide7.xml><?xml version="1.0" encoding="utf-8"?>
 <p:sld xmlns:a="http://schemas.openxmlformats.org/drawingml/2006/main" xmlns:r="http://schemas.openxmlformats.org/officeDocument/2006/relationships" xmlns:p="http://schemas.openxmlformats.org/presentationml/2006/main">
   <p:cSld>
+    <p:bg>
+      <p:bgPr>
+        <a:solidFill>
+          <a:schemeClr val="bg1">
+            <a:alpha val="50000"/>
+          </a:schemeClr>
+        </a:solidFill>
+        <a:effectLst/>
+      </p:bgPr>
+    </p:bg>
     <p:spTree>
       <p:nvGrpSpPr>
         <p:cNvPr id="1" name=""/>
@@ -4491,6 +5026,52 @@
           <a:bodyPr/>
           <a:lstStyle/>
           <a:p>
+            <a:r>
+              <a:rPr lang="zh-CN" altLang="en-US" dirty="0"/>
+              <a:t>拿到数据集，缓存</a:t>
+            </a:r>
+            <a:r>
+              <a:rPr lang="zh-CN" altLang="en-US" dirty="0" smtClean="0"/>
+              <a:t>起来</a:t>
+            </a:r>
+            <a:endParaRPr lang="en-US" altLang="zh-CN" dirty="0" smtClean="0"/>
+          </a:p>
+          <a:p>
+            <a:r>
+              <a:rPr lang="zh-CN" altLang="en-US" dirty="0" smtClean="0"/>
+              <a:t>执行</a:t>
+            </a:r>
+            <a:r>
+              <a:rPr lang="en-US" altLang="zh-CN" dirty="0" smtClean="0"/>
+              <a:t>filter</a:t>
+            </a:r>
+            <a:r>
+              <a:rPr lang="zh-CN" altLang="en-US" dirty="0" smtClean="0"/>
+              <a:t>，遍历数组，取出符合条件的数据</a:t>
+            </a:r>
+            <a:endParaRPr lang="en-US" altLang="zh-CN" dirty="0" smtClean="0"/>
+          </a:p>
+          <a:p>
+            <a:r>
+              <a:rPr lang="zh-CN" altLang="en-US" dirty="0" smtClean="0"/>
+              <a:t>执行</a:t>
+            </a:r>
+            <a:r>
+              <a:rPr lang="en-US" altLang="zh-CN" dirty="0" smtClean="0"/>
+              <a:t>take</a:t>
+            </a:r>
+            <a:r>
+              <a:rPr lang="zh-CN" altLang="en-US" dirty="0" smtClean="0"/>
+              <a:t>，取出前</a:t>
+            </a:r>
+            <a:r>
+              <a:rPr lang="en-US" altLang="zh-CN" dirty="0" smtClean="0"/>
+              <a:t>3</a:t>
+            </a:r>
+            <a:r>
+              <a:rPr lang="zh-CN" altLang="en-US" dirty="0" smtClean="0"/>
+              <a:t>个数据</a:t>
+            </a:r>
             <a:endParaRPr lang="zh-CN" altLang="en-US" dirty="0"/>
           </a:p>
         </p:txBody>
@@ -4631,6 +5212,416 @@
     <p:extLst>
       <p:ext uri="{BB962C8B-B14F-4D97-AF65-F5344CB8AC3E}">
         <p14:creationId xmlns:p14="http://schemas.microsoft.com/office/powerpoint/2010/main" val="948485284"/>
+      </p:ext>
+    </p:extLst>
+  </p:cSld>
+  <p:clrMapOvr>
+    <a:masterClrMapping/>
+  </p:clrMapOvr>
+  <p:timing>
+    <p:tnLst>
+      <p:par>
+        <p:cTn id="1" dur="indefinite" restart="never" nodeType="tmRoot"/>
+      </p:par>
+    </p:tnLst>
+  </p:timing>
+</p:sld>
+</file>
+
+<file path=ppt/slides/slide8.xml><?xml version="1.0" encoding="utf-8"?>
+<p:sld xmlns:a="http://schemas.openxmlformats.org/drawingml/2006/main" xmlns:r="http://schemas.openxmlformats.org/officeDocument/2006/relationships" xmlns:p="http://schemas.openxmlformats.org/presentationml/2006/main">
+  <p:cSld>
+    <p:bg>
+      <p:bgPr>
+        <a:solidFill>
+          <a:schemeClr val="bg1">
+            <a:alpha val="50000"/>
+          </a:schemeClr>
+        </a:solidFill>
+        <a:effectLst/>
+      </p:bgPr>
+    </p:bg>
+    <p:spTree>
+      <p:nvGrpSpPr>
+        <p:cNvPr id="1" name=""/>
+        <p:cNvGrpSpPr/>
+        <p:nvPr/>
+      </p:nvGrpSpPr>
+      <p:grpSpPr>
+        <a:xfrm>
+          <a:off x="0" y="0"/>
+          <a:ext cx="0" cy="0"/>
+          <a:chOff x="0" y="0"/>
+          <a:chExt cx="0" cy="0"/>
+        </a:xfrm>
+      </p:grpSpPr>
+      <p:sp>
+        <p:nvSpPr>
+          <p:cNvPr id="9" name="标题 8"/>
+          <p:cNvSpPr>
+            <a:spLocks noGrp="1"/>
+          </p:cNvSpPr>
+          <p:nvPr>
+            <p:ph type="title"/>
+          </p:nvPr>
+        </p:nvSpPr>
+        <p:spPr>
+          <a:xfrm>
+            <a:off x="838200" y="365125"/>
+            <a:ext cx="10515600" cy="774743"/>
+          </a:xfrm>
+        </p:spPr>
+        <p:txBody>
+          <a:bodyPr>
+            <a:normAutofit/>
+          </a:bodyPr>
+          <a:lstStyle/>
+          <a:p>
+            <a:r>
+              <a:rPr lang="zh-CN" altLang="en-US" sz="3600" dirty="0" smtClean="0"/>
+              <a:t>几个常用的方法</a:t>
+            </a:r>
+            <a:endParaRPr lang="zh-CN" altLang="en-US" sz="3600" dirty="0"/>
+          </a:p>
+        </p:txBody>
+      </p:sp>
+      <p:sp>
+        <p:nvSpPr>
+          <p:cNvPr id="10" name="内容占位符 9"/>
+          <p:cNvSpPr>
+            <a:spLocks noGrp="1"/>
+          </p:cNvSpPr>
+          <p:nvPr>
+            <p:ph idx="1"/>
+          </p:nvPr>
+        </p:nvSpPr>
+        <p:spPr>
+          <a:xfrm>
+            <a:off x="838200" y="1265129"/>
+            <a:ext cx="10515600" cy="4911834"/>
+          </a:xfrm>
+        </p:spPr>
+        <p:txBody>
+          <a:bodyPr/>
+          <a:lstStyle/>
+          <a:p>
+            <a:r>
+              <a:rPr lang="en-US" altLang="zh-CN" dirty="0"/>
+              <a:t>t</a:t>
+            </a:r>
+            <a:r>
+              <a:rPr lang="en-US" altLang="zh-CN" dirty="0" smtClean="0"/>
+              <a:t>imes</a:t>
+            </a:r>
+            <a:r>
+              <a:rPr lang="zh-CN" altLang="en-US" dirty="0" smtClean="0"/>
+              <a:t>：</a:t>
+            </a:r>
+            <a:r>
+              <a:rPr lang="en-US" altLang="zh-CN" dirty="0"/>
+              <a:t>N</a:t>
+            </a:r>
+            <a:r>
+              <a:rPr lang="zh-CN" altLang="en-US" dirty="0"/>
+              <a:t>次循环</a:t>
+            </a:r>
+          </a:p>
+          <a:p>
+            <a:r>
+              <a:rPr lang="en-US" altLang="zh-CN" dirty="0"/>
+              <a:t>r</a:t>
+            </a:r>
+            <a:r>
+              <a:rPr lang="en-US" altLang="zh-CN" dirty="0" smtClean="0"/>
+              <a:t>andom: </a:t>
+            </a:r>
+            <a:r>
+              <a:rPr lang="zh-CN" altLang="en-US" b="1" dirty="0"/>
+              <a:t> </a:t>
+            </a:r>
+            <a:r>
+              <a:rPr lang="zh-CN" altLang="en-US" dirty="0"/>
+              <a:t>在指定范围内获取一个随机值</a:t>
+            </a:r>
+          </a:p>
+          <a:p>
+            <a:r>
+              <a:rPr lang="en-US" altLang="zh-CN" dirty="0" smtClean="0"/>
+              <a:t>cloneDeep: </a:t>
+            </a:r>
+            <a:r>
+              <a:rPr lang="zh-CN" altLang="en-US" dirty="0" smtClean="0"/>
+              <a:t>深度</a:t>
+            </a:r>
+            <a:r>
+              <a:rPr lang="zh-CN" altLang="en-US" dirty="0"/>
+              <a:t>克隆</a:t>
+            </a:r>
+            <a:r>
+              <a:rPr lang="en-US" altLang="zh-CN" dirty="0"/>
+              <a:t>JavaScript</a:t>
+            </a:r>
+            <a:r>
+              <a:rPr lang="zh-CN" altLang="en-US" dirty="0"/>
+              <a:t>对象</a:t>
+            </a:r>
+          </a:p>
+          <a:p>
+            <a:r>
+              <a:rPr lang="en-US" altLang="zh-CN" dirty="0" smtClean="0"/>
+              <a:t>omit : </a:t>
+            </a:r>
+            <a:r>
+              <a:rPr lang="zh-CN" altLang="en-US" dirty="0" smtClean="0"/>
+              <a:t>筛选属性</a:t>
+            </a:r>
+            <a:endParaRPr lang="en-US" altLang="zh-CN" dirty="0"/>
+          </a:p>
+          <a:p>
+            <a:r>
+              <a:rPr lang="en-US" altLang="zh-CN" dirty="0" smtClean="0"/>
+              <a:t>pick : </a:t>
+            </a:r>
+            <a:r>
+              <a:rPr lang="zh-CN" altLang="en-US" dirty="0" smtClean="0"/>
+              <a:t>选择</a:t>
+            </a:r>
+            <a:r>
+              <a:rPr lang="zh-CN" altLang="en-US" dirty="0"/>
+              <a:t>部分</a:t>
+            </a:r>
+            <a:r>
+              <a:rPr lang="zh-CN" altLang="en-US" dirty="0" smtClean="0"/>
+              <a:t>属性</a:t>
+            </a:r>
+            <a:endParaRPr lang="en-US" altLang="zh-CN" dirty="0" smtClean="0"/>
+          </a:p>
+          <a:p>
+            <a:r>
+              <a:rPr lang="en-US" altLang="zh-CN" dirty="0" smtClean="0"/>
+              <a:t>forEach :</a:t>
+            </a:r>
+            <a:r>
+              <a:rPr lang="zh-CN" altLang="en-US" dirty="0"/>
+              <a:t>遍历循环</a:t>
+            </a:r>
+            <a:r>
+              <a:rPr lang="en-US" altLang="zh-CN" dirty="0"/>
+              <a:t>(</a:t>
+            </a:r>
+            <a:r>
+              <a:rPr lang="zh-CN" altLang="en-US" dirty="0"/>
+              <a:t>数组，对象</a:t>
+            </a:r>
+            <a:r>
+              <a:rPr lang="en-US" altLang="zh-CN" dirty="0" smtClean="0"/>
+              <a:t>)</a:t>
+            </a:r>
+            <a:endParaRPr lang="en-US" altLang="zh-CN" dirty="0"/>
+          </a:p>
+          <a:p>
+            <a:endParaRPr lang="zh-CN" altLang="en-US" dirty="0"/>
+          </a:p>
+          <a:p>
+            <a:endParaRPr lang="en-US" altLang="zh-CN" dirty="0"/>
+          </a:p>
+          <a:p>
+            <a:endParaRPr lang="zh-CN" altLang="en-US" b="1" dirty="0"/>
+          </a:p>
+          <a:p>
+            <a:endParaRPr lang="en-US" altLang="zh-CN" dirty="0"/>
+          </a:p>
+          <a:p>
+            <a:endParaRPr lang="en-US" altLang="zh-CN" dirty="0"/>
+          </a:p>
+          <a:p>
+            <a:endParaRPr lang="zh-CN" altLang="en-US" dirty="0"/>
+          </a:p>
+        </p:txBody>
+      </p:sp>
+    </p:spTree>
+    <p:extLst>
+      <p:ext uri="{BB962C8B-B14F-4D97-AF65-F5344CB8AC3E}">
+        <p14:creationId xmlns:p14="http://schemas.microsoft.com/office/powerpoint/2010/main" val="3329632895"/>
+      </p:ext>
+    </p:extLst>
+  </p:cSld>
+  <p:clrMapOvr>
+    <a:masterClrMapping/>
+  </p:clrMapOvr>
+  <p:timing>
+    <p:tnLst>
+      <p:par>
+        <p:cTn id="1" dur="indefinite" restart="never" nodeType="tmRoot"/>
+      </p:par>
+    </p:tnLst>
+  </p:timing>
+</p:sld>
+</file>
+
+<file path=ppt/slides/slide9.xml><?xml version="1.0" encoding="utf-8"?>
+<p:sld xmlns:a="http://schemas.openxmlformats.org/drawingml/2006/main" xmlns:r="http://schemas.openxmlformats.org/officeDocument/2006/relationships" xmlns:p="http://schemas.openxmlformats.org/presentationml/2006/main">
+  <p:cSld>
+    <p:bg>
+      <p:bgPr>
+        <a:solidFill>
+          <a:schemeClr val="bg1">
+            <a:alpha val="50000"/>
+          </a:schemeClr>
+        </a:solidFill>
+        <a:effectLst/>
+      </p:bgPr>
+    </p:bg>
+    <p:spTree>
+      <p:nvGrpSpPr>
+        <p:cNvPr id="1" name=""/>
+        <p:cNvGrpSpPr/>
+        <p:nvPr/>
+      </p:nvGrpSpPr>
+      <p:grpSpPr>
+        <a:xfrm>
+          <a:off x="0" y="0"/>
+          <a:ext cx="0" cy="0"/>
+          <a:chOff x="0" y="0"/>
+          <a:chExt cx="0" cy="0"/>
+        </a:xfrm>
+      </p:grpSpPr>
+      <p:sp>
+        <p:nvSpPr>
+          <p:cNvPr id="2" name="标题 1"/>
+          <p:cNvSpPr>
+            <a:spLocks noGrp="1"/>
+          </p:cNvSpPr>
+          <p:nvPr>
+            <p:ph type="title"/>
+          </p:nvPr>
+        </p:nvSpPr>
+        <p:spPr/>
+        <p:txBody>
+          <a:bodyPr/>
+          <a:lstStyle/>
+          <a:p>
+            <a:r>
+              <a:rPr lang="zh-CN" altLang="en-US" dirty="0" smtClean="0"/>
+              <a:t>参考文档链接</a:t>
+            </a:r>
+            <a:endParaRPr lang="zh-CN" altLang="en-US" dirty="0"/>
+          </a:p>
+        </p:txBody>
+      </p:sp>
+      <p:sp>
+        <p:nvSpPr>
+          <p:cNvPr id="3" name="内容占位符 2"/>
+          <p:cNvSpPr>
+            <a:spLocks noGrp="1"/>
+          </p:cNvSpPr>
+          <p:nvPr>
+            <p:ph idx="1"/>
+          </p:nvPr>
+        </p:nvSpPr>
+        <p:spPr>
+          <a:xfrm>
+            <a:off x="838200" y="1825625"/>
+            <a:ext cx="11249416" cy="4351338"/>
+          </a:xfrm>
+        </p:spPr>
+        <p:txBody>
+          <a:bodyPr/>
+          <a:lstStyle/>
+          <a:p>
+            <a:r>
+              <a:rPr lang="en-US" altLang="zh-CN" dirty="0" smtClean="0"/>
+              <a:t>Lodash</a:t>
+            </a:r>
+            <a:r>
+              <a:rPr lang="zh-CN" altLang="en-US" dirty="0" smtClean="0"/>
+              <a:t>官方文档：</a:t>
+            </a:r>
+            <a:r>
+              <a:rPr lang="en-US" altLang="zh-CN" dirty="0">
+                <a:hlinkClick r:id="rId2"/>
+              </a:rPr>
+              <a:t>https://</a:t>
+            </a:r>
+            <a:r>
+              <a:rPr lang="en-US" altLang="zh-CN" dirty="0" smtClean="0">
+                <a:hlinkClick r:id="rId2"/>
+              </a:rPr>
+              <a:t>www.lodashjs.com/</a:t>
+            </a:r>
+            <a:endParaRPr lang="en-US" altLang="zh-CN" dirty="0"/>
+          </a:p>
+          <a:p>
+            <a:r>
+              <a:rPr lang="en-US" altLang="zh-CN" dirty="0"/>
+              <a:t>Lodash</a:t>
+            </a:r>
+            <a:r>
+              <a:rPr lang="zh-CN" altLang="en-US" dirty="0"/>
+              <a:t>中文文档：</a:t>
+            </a:r>
+            <a:r>
+              <a:rPr lang="en-US" altLang="zh-CN" dirty="0">
+                <a:hlinkClick r:id="rId3"/>
+              </a:rPr>
+              <a:t>https://www.html.cn/doc/lodash</a:t>
+            </a:r>
+            <a:r>
+              <a:rPr lang="en-US" altLang="zh-CN" dirty="0" smtClean="0">
+                <a:hlinkClick r:id="rId3"/>
+              </a:rPr>
+              <a:t>/</a:t>
+            </a:r>
+            <a:endParaRPr lang="en-US" altLang="zh-CN" dirty="0" smtClean="0"/>
+          </a:p>
+          <a:p>
+            <a:r>
+              <a:rPr lang="en-US" altLang="zh-CN" dirty="0" smtClean="0"/>
+              <a:t>《</a:t>
+            </a:r>
+            <a:r>
+              <a:rPr lang="en-US" altLang="zh-CN" dirty="0"/>
+              <a:t>How to Speed Up Lo-Dash ×100? Introducing Lazy Evaluation</a:t>
+            </a:r>
+            <a:r>
+              <a:rPr lang="en-US" altLang="zh-CN" dirty="0" smtClean="0"/>
+              <a:t>.》--Filip Zawada </a:t>
+            </a:r>
+            <a:r>
+              <a:rPr lang="zh-CN" altLang="en-US" dirty="0" smtClean="0"/>
+              <a:t>：</a:t>
+            </a:r>
+            <a:r>
+              <a:rPr lang="en-US" altLang="zh-CN" dirty="0" smtClean="0">
+                <a:hlinkClick r:id="rId4"/>
+              </a:rPr>
+              <a:t>http://filimanjaro.com/blog/2014/introducing-lazy-evaluation/</a:t>
+            </a:r>
+            <a:endParaRPr lang="en-US" altLang="zh-CN" dirty="0" smtClean="0"/>
+          </a:p>
+          <a:p>
+            <a:r>
+              <a:rPr lang="en-US" altLang="zh-CN" dirty="0" smtClean="0"/>
+              <a:t>Github</a:t>
+            </a:r>
+            <a:r>
+              <a:rPr lang="zh-CN" altLang="en-US" dirty="0" smtClean="0"/>
+              <a:t>仓库：</a:t>
+            </a:r>
+            <a:r>
+              <a:rPr lang="en-US" altLang="zh-CN" dirty="0" smtClean="0">
+                <a:hlinkClick r:id="rId5"/>
+              </a:rPr>
+              <a:t>https://github.com/lodash/lodash</a:t>
+            </a:r>
+            <a:endParaRPr lang="zh-CN" altLang="en-US" dirty="0"/>
+          </a:p>
+        </p:txBody>
+      </p:sp>
+    </p:spTree>
+    <p:extLst>
+      <p:ext uri="{BB962C8B-B14F-4D97-AF65-F5344CB8AC3E}">
+        <p14:creationId xmlns:p14="http://schemas.microsoft.com/office/powerpoint/2010/main" val="2428881626"/>
       </p:ext>
     </p:extLst>
   </p:cSld>
